--- a/Data Visualization – Starbucks vs Dunkin Donuts Analysis.pptx
+++ b/Data Visualization – Starbucks vs Dunkin Donuts Analysis.pptx
@@ -309,7 +309,7 @@
           <a:p>
             <a:fld id="{88D38747-4367-4BD2-8D51-C97E202738E2}" type="datetime1">
               <a:rPr lang="en-US" smtClean="0"/>
-              <a:t>6/5/2021</a:t>
+              <a:t>6/8/2021</a:t>
             </a:fld>
             <a:endParaRPr lang="en-US" dirty="0"/>
           </a:p>
@@ -613,7 +613,7 @@
           <a:p>
             <a:fld id="{11F1B079-7EF0-44EE-B798-BCC497C9F3B2}" type="datetime1">
               <a:rPr lang="en-US" smtClean="0"/>
-              <a:t>6/5/2021</a:t>
+              <a:t>6/8/2021</a:t>
             </a:fld>
             <a:endParaRPr lang="en-US" dirty="0"/>
           </a:p>
@@ -807,7 +807,7 @@
           <a:p>
             <a:fld id="{28FF70A8-1D13-4657-95F0-A9EA54967B8D}" type="datetime1">
               <a:rPr lang="en-US" smtClean="0"/>
-              <a:t>6/5/2021</a:t>
+              <a:t>6/8/2021</a:t>
             </a:fld>
             <a:endParaRPr lang="en-US" dirty="0"/>
           </a:p>
@@ -1070,7 +1070,7 @@
           <a:p>
             <a:fld id="{21EB90AC-71BD-4C7F-8ACA-7B3F18292E63}" type="datetime1">
               <a:rPr lang="en-US" smtClean="0"/>
-              <a:t>6/5/2021</a:t>
+              <a:t>6/8/2021</a:t>
             </a:fld>
             <a:endParaRPr lang="en-US" dirty="0"/>
           </a:p>
@@ -1506,7 +1506,7 @@
           <a:p>
             <a:fld id="{4E6EFC2C-8905-46F0-B443-CE905B76BA01}" type="datetime1">
               <a:rPr lang="en-US" smtClean="0"/>
-              <a:t>6/5/2021</a:t>
+              <a:t>6/8/2021</a:t>
             </a:fld>
             <a:endParaRPr lang="en-US" dirty="0"/>
           </a:p>
@@ -2043,7 +2043,7 @@
           <a:p>
             <a:fld id="{D9079DC3-C9B5-499E-9140-0DC28B7074E2}" type="datetime1">
               <a:rPr lang="en-US" smtClean="0"/>
-              <a:t>6/5/2021</a:t>
+              <a:t>6/8/2021</a:t>
             </a:fld>
             <a:endParaRPr lang="en-US" dirty="0"/>
           </a:p>
@@ -2922,7 +2922,7 @@
           <a:p>
             <a:fld id="{30BB33EA-E472-4D22-9C03-A9C14AA21CED}" type="datetime1">
               <a:rPr lang="en-US" smtClean="0"/>
-              <a:t>6/5/2021</a:t>
+              <a:t>6/8/2021</a:t>
             </a:fld>
             <a:endParaRPr lang="en-US" dirty="0"/>
           </a:p>
@@ -3092,7 +3092,7 @@
           <a:p>
             <a:fld id="{73C55A3C-5767-4844-A0A3-83778C2E5409}" type="datetime1">
               <a:rPr lang="en-US" smtClean="0"/>
-              <a:t>6/5/2021</a:t>
+              <a:t>6/8/2021</a:t>
             </a:fld>
             <a:endParaRPr lang="en-US" dirty="0"/>
           </a:p>
@@ -3336,7 +3336,7 @@
           <a:p>
             <a:fld id="{CAE507A8-A5CF-4D38-AB86-7EDDA87A85D4}" type="datetime1">
               <a:rPr lang="en-US" smtClean="0"/>
-              <a:t>6/5/2021</a:t>
+              <a:t>6/8/2021</a:t>
             </a:fld>
             <a:endParaRPr lang="en-US" dirty="0"/>
           </a:p>
@@ -3578,7 +3578,7 @@
           <a:p>
             <a:fld id="{BDFCD27C-8599-43EF-BA1D-14DDC1946E06}" type="datetime1">
               <a:rPr lang="en-US" smtClean="0"/>
-              <a:t>6/5/2021</a:t>
+              <a:t>6/8/2021</a:t>
             </a:fld>
             <a:endParaRPr lang="en-US" dirty="0"/>
           </a:p>
@@ -4061,7 +4061,7 @@
           <a:p>
             <a:fld id="{49343D99-809A-49C0-96E5-4250D0B498EE}" type="datetime1">
               <a:rPr lang="en-US" smtClean="0"/>
-              <a:t>6/5/2021</a:t>
+              <a:t>6/8/2021</a:t>
             </a:fld>
             <a:endParaRPr lang="en-US" dirty="0"/>
           </a:p>
@@ -4179,7 +4179,7 @@
           <a:p>
             <a:fld id="{A143DE9B-B678-4EFB-BB7D-A4370204A0B0}" type="datetime1">
               <a:rPr lang="en-US" smtClean="0"/>
-              <a:t>6/5/2021</a:t>
+              <a:t>6/8/2021</a:t>
             </a:fld>
             <a:endParaRPr lang="en-US" dirty="0"/>
           </a:p>
@@ -4274,7 +4274,7 @@
           <a:p>
             <a:fld id="{E68812DA-F765-4142-A6A3-A8ED7235E082}" type="datetime1">
               <a:rPr lang="en-US" smtClean="0"/>
-              <a:t>6/5/2021</a:t>
+              <a:t>6/8/2021</a:t>
             </a:fld>
             <a:endParaRPr lang="en-US" dirty="0"/>
           </a:p>
@@ -4529,7 +4529,7 @@
           <a:p>
             <a:fld id="{3E0277FD-7DE6-41D4-930D-AC99F5AFE54E}" type="datetime1">
               <a:rPr lang="en-US" smtClean="0"/>
-              <a:t>6/5/2021</a:t>
+              <a:t>6/8/2021</a:t>
             </a:fld>
             <a:endParaRPr lang="en-US" dirty="0"/>
           </a:p>
@@ -4835,7 +4835,7 @@
           <a:p>
             <a:fld id="{9EA15526-7079-4B7B-987C-1B5FAE11A0FF}" type="datetime1">
               <a:rPr lang="en-US" smtClean="0"/>
-              <a:t>6/5/2021</a:t>
+              <a:t>6/8/2021</a:t>
             </a:fld>
             <a:endParaRPr lang="en-US" dirty="0"/>
           </a:p>
@@ -5070,7 +5070,7 @@
           <a:p>
             <a:fld id="{073ED0CC-082F-4160-86E5-0D6041F12778}" type="datetime1">
               <a:rPr lang="en-US" smtClean="0"/>
-              <a:t>6/5/2021</a:t>
+              <a:t>6/8/2021</a:t>
             </a:fld>
             <a:endParaRPr lang="en-US" dirty="0"/>
           </a:p>
@@ -5985,7 +5985,7 @@
           </a:effectLst>
           <a:extLst>
             <a:ext uri="{91240B29-F687-4f45-9708-019B960494DF}">
-              <a14:hiddenLine xmlns:a16="http://schemas.microsoft.com/office/drawing/2014/main" xmlns:p14="http://schemas.microsoft.com/office/powerpoint/2010/main" xmlns:a14="http://schemas.microsoft.com/office/drawing/2010/main" xmlns="" w="9525">
+              <a14:hiddenLine xmlns="" xmlns:a14="http://schemas.microsoft.com/office/drawing/2010/main" xmlns:p14="http://schemas.microsoft.com/office/powerpoint/2010/main" xmlns:a16="http://schemas.microsoft.com/office/drawing/2014/main" w="9525">
                 <a:solidFill>
                   <a:srgbClr val="000000"/>
                 </a:solidFill>
@@ -7437,7 +7437,7 @@
           <a:p>
             <a:r>
               <a:rPr lang="en-GB" dirty="0"/>
-              <a:t>Histogram of Income vs Store Count</a:t>
+              <a:t>Histogram of Income vs Frequency</a:t>
             </a:r>
           </a:p>
           <a:p>
@@ -7450,10 +7450,10 @@
       </p:sp>
       <p:pic>
         <p:nvPicPr>
-          <p:cNvPr id="7" name="Picture 6" descr="Chart, histogram&#10;&#10;Description automatically generated">
+          <p:cNvPr id="5" name="Picture 4" descr="Chart, histogram&#10;&#10;Description automatically generated">
             <a:extLst>
               <a:ext uri="{FF2B5EF4-FFF2-40B4-BE49-F238E27FC236}">
-                <a16:creationId xmlns:a16="http://schemas.microsoft.com/office/drawing/2014/main" id="{989F68C0-F107-4940-A6FC-A993AF3C59FB}"/>
+                <a16:creationId xmlns:a16="http://schemas.microsoft.com/office/drawing/2014/main" id="{B9004B1A-680F-4E15-8EBE-B5D9A8161509}"/>
               </a:ext>
             </a:extLst>
           </p:cNvPr>
@@ -7470,8 +7470,8 @@
         </p:blipFill>
         <p:spPr>
           <a:xfrm>
-            <a:off x="1730828" y="1866900"/>
-            <a:ext cx="8371115" cy="5230586"/>
+            <a:off x="1709331" y="1810419"/>
+            <a:ext cx="8372044" cy="5277329"/>
           </a:xfrm>
           <a:prstGeom prst="rect">
             <a:avLst/>
@@ -8979,15 +8979,6 @@
 </file>
 
 <file path=customXml/item2.xml><?xml version="1.0" encoding="utf-8"?>
-<?mso-contentType ?>
-<FormTemplates xmlns="http://schemas.microsoft.com/sharepoint/v3/contenttype/forms">
-  <Display>DocumentLibraryForm</Display>
-  <Edit>DocumentLibraryForm</Edit>
-  <New>DocumentLibraryForm</New>
-</FormTemplates>
-</file>
-
-<file path=customXml/item3.xml><?xml version="1.0" encoding="utf-8"?>
 <ct:contentTypeSchema xmlns:ct="http://schemas.microsoft.com/office/2006/metadata/contentType" xmlns:ma="http://schemas.microsoft.com/office/2006/metadata/properties/metaAttributes" ct:_="" ma:_="" ma:contentTypeName="Document" ma:contentTypeID="0x01010079F111ED35F8CC479449609E8A0923A6" ma:contentTypeVersion="12" ma:contentTypeDescription="Create a new document." ma:contentTypeScope="" ma:versionID="a410dd7f93c95333ffa1b60ed6adedd1">
   <xsd:schema xmlns:xsd="http://www.w3.org/2001/XMLSchema" xmlns:xs="http://www.w3.org/2001/XMLSchema" xmlns:p="http://schemas.microsoft.com/office/2006/metadata/properties" xmlns:ns2="71af3243-3dd4-4a8d-8c0d-dd76da1f02a5" xmlns:ns3="16c05727-aa75-4e4a-9b5f-8a80a1165891" targetNamespace="http://schemas.microsoft.com/office/2006/metadata/properties" ma:root="true" ma:fieldsID="a936d9baba76aa3866493feff160faab" ns2:_="" ns3:_="">
     <xsd:import namespace="71af3243-3dd4-4a8d-8c0d-dd76da1f02a5"/>
@@ -9208,6 +9199,15 @@
 </ct:contentTypeSchema>
 </file>
 
+<file path=customXml/item3.xml><?xml version="1.0" encoding="utf-8"?>
+<?mso-contentType ?>
+<FormTemplates xmlns="http://schemas.microsoft.com/sharepoint/v3/contenttype/forms">
+  <Display>DocumentLibraryForm</Display>
+  <Edit>DocumentLibraryForm</Edit>
+  <New>DocumentLibraryForm</New>
+</FormTemplates>
+</file>
+
 <file path=customXml/itemProps1.xml><?xml version="1.0" encoding="utf-8"?>
 <ds:datastoreItem xmlns:ds="http://schemas.openxmlformats.org/officeDocument/2006/customXml" ds:itemID="{F7E70FC5-1855-47AB-8CE1-CB3C873A8988}">
   <ds:schemaRefs>
@@ -9226,14 +9226,6 @@
 </file>
 
 <file path=customXml/itemProps2.xml><?xml version="1.0" encoding="utf-8"?>
-<ds:datastoreItem xmlns:ds="http://schemas.openxmlformats.org/officeDocument/2006/customXml" ds:itemID="{30CB38EC-895A-4F8F-8F75-E263501ABB5A}">
-  <ds:schemaRefs>
-    <ds:schemaRef ds:uri="http://schemas.microsoft.com/sharepoint/v3/contenttype/forms"/>
-  </ds:schemaRefs>
-</ds:datastoreItem>
-</file>
-
-<file path=customXml/itemProps3.xml><?xml version="1.0" encoding="utf-8"?>
 <ds:datastoreItem xmlns:ds="http://schemas.openxmlformats.org/officeDocument/2006/customXml" ds:itemID="{5560E646-30AD-4BA0-97EA-A7A07DF5499A}">
   <ds:schemaRefs>
     <ds:schemaRef ds:uri="http://schemas.microsoft.com/office/2006/metadata/contentType"/>
@@ -9250,4 +9242,12 @@
     <ds:schemaRef ds:uri="http://schemas.microsoft.com/internal/obd"/>
   </ds:schemaRefs>
 </ds:datastoreItem>
+</file>
+
+<file path=customXml/itemProps3.xml><?xml version="1.0" encoding="utf-8"?>
+<ds:datastoreItem xmlns:ds="http://schemas.openxmlformats.org/officeDocument/2006/customXml" ds:itemID="{30CB38EC-895A-4F8F-8F75-E263501ABB5A}">
+  <ds:schemaRefs>
+    <ds:schemaRef ds:uri="http://schemas.microsoft.com/sharepoint/v3/contenttype/forms"/>
+  </ds:schemaRefs>
+</ds:datastoreItem>
 </file>